--- a/発表資料.pptx
+++ b/発表資料.pptx
@@ -23,9 +23,13 @@
     <p:sldId id="272" r:id="rId17"/>
     <p:sldId id="273" r:id="rId18"/>
     <p:sldId id="274" r:id="rId19"/>
-    <p:sldId id="271" r:id="rId20"/>
-    <p:sldId id="275" r:id="rId21"/>
-    <p:sldId id="276" r:id="rId22"/>
+    <p:sldId id="277" r:id="rId20"/>
+    <p:sldId id="278" r:id="rId21"/>
+    <p:sldId id="271" r:id="rId22"/>
+    <p:sldId id="275" r:id="rId23"/>
+    <p:sldId id="279" r:id="rId24"/>
+    <p:sldId id="276" r:id="rId25"/>
+    <p:sldId id="280" r:id="rId26"/>
   </p:sldIdLst>
   <p:sldSz cx="12192000" cy="6858000"/>
   <p:notesSz cx="6858000" cy="9144000"/>
@@ -124,6 +128,11 @@
       </a:defRPr>
     </a:lvl9pPr>
   </p:defaultTextStyle>
+  <p:extLst>
+    <p:ext uri="{EFAFB233-063F-42B5-8137-9DF3F51BA10A}">
+      <p15:sldGuideLst xmlns:p15="http://schemas.microsoft.com/office/powerpoint/2012/main"/>
+    </p:ext>
+  </p:extLst>
 </p:presentation>
 </file>
 
@@ -274,7 +283,7 @@
           <a:p>
             <a:fld id="{751CA577-3EB1-4A83-ABD8-7419C322EEEC}" type="datetimeFigureOut">
               <a:rPr kumimoji="1" lang="ja-JP" altLang="en-US" smtClean="0"/>
-              <a:t>2018/6/25</a:t>
+              <a:t>2018/6/28</a:t>
             </a:fld>
             <a:endParaRPr kumimoji="1" lang="ja-JP" altLang="en-US"/>
           </a:p>
@@ -504,7 +513,7 @@
           <a:p>
             <a:fld id="{751CA577-3EB1-4A83-ABD8-7419C322EEEC}" type="datetimeFigureOut">
               <a:rPr kumimoji="1" lang="ja-JP" altLang="en-US" smtClean="0"/>
-              <a:t>2018/6/25</a:t>
+              <a:t>2018/6/28</a:t>
             </a:fld>
             <a:endParaRPr kumimoji="1" lang="ja-JP" altLang="en-US"/>
           </a:p>
@@ -744,7 +753,7 @@
           <a:p>
             <a:fld id="{751CA577-3EB1-4A83-ABD8-7419C322EEEC}" type="datetimeFigureOut">
               <a:rPr kumimoji="1" lang="ja-JP" altLang="en-US" smtClean="0"/>
-              <a:t>2018/6/25</a:t>
+              <a:t>2018/6/28</a:t>
             </a:fld>
             <a:endParaRPr kumimoji="1" lang="ja-JP" altLang="en-US"/>
           </a:p>
@@ -974,7 +983,7 @@
           <a:p>
             <a:fld id="{751CA577-3EB1-4A83-ABD8-7419C322EEEC}" type="datetimeFigureOut">
               <a:rPr kumimoji="1" lang="ja-JP" altLang="en-US" smtClean="0"/>
-              <a:t>2018/6/25</a:t>
+              <a:t>2018/6/28</a:t>
             </a:fld>
             <a:endParaRPr kumimoji="1" lang="ja-JP" altLang="en-US"/>
           </a:p>
@@ -1249,7 +1258,7 @@
           <a:p>
             <a:fld id="{751CA577-3EB1-4A83-ABD8-7419C322EEEC}" type="datetimeFigureOut">
               <a:rPr kumimoji="1" lang="ja-JP" altLang="en-US" smtClean="0"/>
-              <a:t>2018/6/25</a:t>
+              <a:t>2018/6/28</a:t>
             </a:fld>
             <a:endParaRPr kumimoji="1" lang="ja-JP" altLang="en-US"/>
           </a:p>
@@ -1578,7 +1587,7 @@
           <a:p>
             <a:fld id="{751CA577-3EB1-4A83-ABD8-7419C322EEEC}" type="datetimeFigureOut">
               <a:rPr kumimoji="1" lang="ja-JP" altLang="en-US" smtClean="0"/>
-              <a:t>2018/6/25</a:t>
+              <a:t>2018/6/28</a:t>
             </a:fld>
             <a:endParaRPr kumimoji="1" lang="ja-JP" altLang="en-US"/>
           </a:p>
@@ -2054,7 +2063,7 @@
           <a:p>
             <a:fld id="{751CA577-3EB1-4A83-ABD8-7419C322EEEC}" type="datetimeFigureOut">
               <a:rPr kumimoji="1" lang="ja-JP" altLang="en-US" smtClean="0"/>
-              <a:t>2018/6/25</a:t>
+              <a:t>2018/6/28</a:t>
             </a:fld>
             <a:endParaRPr kumimoji="1" lang="ja-JP" altLang="en-US"/>
           </a:p>
@@ -2195,7 +2204,7 @@
           <a:p>
             <a:fld id="{751CA577-3EB1-4A83-ABD8-7419C322EEEC}" type="datetimeFigureOut">
               <a:rPr kumimoji="1" lang="ja-JP" altLang="en-US" smtClean="0"/>
-              <a:t>2018/6/25</a:t>
+              <a:t>2018/6/28</a:t>
             </a:fld>
             <a:endParaRPr kumimoji="1" lang="ja-JP" altLang="en-US"/>
           </a:p>
@@ -2308,7 +2317,7 @@
           <a:p>
             <a:fld id="{751CA577-3EB1-4A83-ABD8-7419C322EEEC}" type="datetimeFigureOut">
               <a:rPr kumimoji="1" lang="ja-JP" altLang="en-US" smtClean="0"/>
-              <a:t>2018/6/25</a:t>
+              <a:t>2018/6/28</a:t>
             </a:fld>
             <a:endParaRPr kumimoji="1" lang="ja-JP" altLang="en-US"/>
           </a:p>
@@ -2651,7 +2660,7 @@
           <a:p>
             <a:fld id="{751CA577-3EB1-4A83-ABD8-7419C322EEEC}" type="datetimeFigureOut">
               <a:rPr kumimoji="1" lang="ja-JP" altLang="en-US" smtClean="0"/>
-              <a:t>2018/6/25</a:t>
+              <a:t>2018/6/28</a:t>
             </a:fld>
             <a:endParaRPr kumimoji="1" lang="ja-JP" altLang="en-US"/>
           </a:p>
@@ -2939,7 +2948,7 @@
           <a:p>
             <a:fld id="{751CA577-3EB1-4A83-ABD8-7419C322EEEC}" type="datetimeFigureOut">
               <a:rPr kumimoji="1" lang="ja-JP" altLang="en-US" smtClean="0"/>
-              <a:t>2018/6/25</a:t>
+              <a:t>2018/6/28</a:t>
             </a:fld>
             <a:endParaRPr kumimoji="1" lang="ja-JP" altLang="en-US"/>
           </a:p>
@@ -3212,7 +3221,7 @@
           <a:p>
             <a:fld id="{751CA577-3EB1-4A83-ABD8-7419C322EEEC}" type="datetimeFigureOut">
               <a:rPr kumimoji="1" lang="ja-JP" altLang="en-US" smtClean="0"/>
-              <a:t>2018/6/25</a:t>
+              <a:t>2018/6/28</a:t>
             </a:fld>
             <a:endParaRPr kumimoji="1" lang="ja-JP" altLang="en-US"/>
           </a:p>
@@ -8110,7 +8119,7 @@
             </a:r>
             <a:r>
               <a:rPr lang="en-US" altLang="ja-JP" sz="2400" dirty="0"/>
-              <a:t>T1-T32-T1…</a:t>
+              <a:t>T1-T9-T1…</a:t>
             </a:r>
             <a:r>
               <a:rPr lang="ja-JP" altLang="en-US" sz="2400" dirty="0"/>
@@ -8157,7 +8166,7 @@
         </p:nvSpPr>
         <p:spPr>
           <a:xfrm>
-            <a:off x="1097280" y="3898910"/>
+            <a:off x="1372584" y="5613800"/>
             <a:ext cx="10249146" cy="1007387"/>
           </a:xfrm>
           <a:prstGeom prst="rect">
@@ -8337,14 +8346,6 @@
               <a:buFont typeface="Arial" panose="020B0604020202020204" pitchFamily="34" charset="0"/>
               <a:buNone/>
             </a:pPr>
-            <a:r>
-              <a:rPr lang="en-US" altLang="ja-JP" sz="2400" dirty="0"/>
-              <a:t>Station32</a:t>
-            </a:r>
-            <a:r>
-              <a:rPr lang="ja-JP" altLang="en-US" sz="2400" dirty="0"/>
-              <a:t> あたりは、値の種類が増える。</a:t>
-            </a:r>
             <a:endParaRPr lang="en-US" altLang="ja-JP" sz="2400" dirty="0"/>
           </a:p>
           <a:p>
@@ -8370,10 +8371,70 @@
           </a:p>
         </p:txBody>
       </p:sp>
+      <p:pic>
+        <p:nvPicPr>
+          <p:cNvPr id="3" name="図 2">
+            <a:extLst>
+              <a:ext uri="{FF2B5EF4-FFF2-40B4-BE49-F238E27FC236}">
+                <a16:creationId xmlns:a16="http://schemas.microsoft.com/office/drawing/2014/main" id="{081BB556-F76C-45B2-8A4C-9118441D87BB}"/>
+              </a:ext>
+            </a:extLst>
+          </p:cNvPr>
+          <p:cNvPicPr>
+            <a:picLocks noChangeAspect="1"/>
+          </p:cNvPicPr>
+          <p:nvPr/>
+        </p:nvPicPr>
+        <p:blipFill>
+          <a:blip r:embed="rId2"/>
+          <a:stretch>
+            <a:fillRect/>
+          </a:stretch>
+        </p:blipFill>
+        <p:spPr>
+          <a:xfrm>
+            <a:off x="1899685" y="4239700"/>
+            <a:ext cx="7026146" cy="2310076"/>
+          </a:xfrm>
+          <a:prstGeom prst="rect">
+            <a:avLst/>
+          </a:prstGeom>
+        </p:spPr>
+      </p:pic>
+      <p:pic>
+        <p:nvPicPr>
+          <p:cNvPr id="4" name="図 3">
+            <a:extLst>
+              <a:ext uri="{FF2B5EF4-FFF2-40B4-BE49-F238E27FC236}">
+                <a16:creationId xmlns:a16="http://schemas.microsoft.com/office/drawing/2014/main" id="{ECDEB250-CC24-4F95-901D-9E1C596577B7}"/>
+              </a:ext>
+            </a:extLst>
+          </p:cNvPr>
+          <p:cNvPicPr>
+            <a:picLocks noChangeAspect="1"/>
+          </p:cNvPicPr>
+          <p:nvPr/>
+        </p:nvPicPr>
+        <p:blipFill>
+          <a:blip r:embed="rId3"/>
+          <a:stretch>
+            <a:fillRect/>
+          </a:stretch>
+        </p:blipFill>
+        <p:spPr>
+          <a:xfrm>
+            <a:off x="1790700" y="2347912"/>
+            <a:ext cx="7150214" cy="1795463"/>
+          </a:xfrm>
+          <a:prstGeom prst="rect">
+            <a:avLst/>
+          </a:prstGeom>
+        </p:spPr>
+      </p:pic>
     </p:spTree>
     <p:extLst>
       <p:ext uri="{BB962C8B-B14F-4D97-AF65-F5344CB8AC3E}">
-        <p14:creationId xmlns:p14="http://schemas.microsoft.com/office/powerpoint/2010/main" val="2482052299"/>
+        <p14:creationId xmlns:p14="http://schemas.microsoft.com/office/powerpoint/2010/main" val="2751590199"/>
       </p:ext>
     </p:extLst>
   </p:cSld>
@@ -8899,7 +8960,7 @@
         <p:spPr>
           <a:xfrm>
             <a:off x="1097280" y="1244200"/>
-            <a:ext cx="10249146" cy="3288471"/>
+            <a:ext cx="10249146" cy="1007387"/>
           </a:xfrm>
           <a:prstGeom prst="rect">
             <a:avLst/>
@@ -9079,16 +9140,28 @@
               <a:buNone/>
             </a:pPr>
             <a:r>
+              <a:rPr lang="en-US" altLang="ja-JP" sz="2400" dirty="0"/>
+              <a:t>Station1,</a:t>
+            </a:r>
+            <a:r>
               <a:rPr lang="ja-JP" altLang="en-US" sz="2400" dirty="0"/>
-              <a:t>ビットフィールドだとすると</a:t>
+              <a:t> </a:t>
             </a:r>
             <a:r>
               <a:rPr lang="en-US" altLang="ja-JP" sz="2400" dirty="0"/>
-              <a:t>T0</a:t>
+              <a:t>Station2</a:t>
             </a:r>
             <a:r>
               <a:rPr lang="ja-JP" altLang="en-US" sz="2400" dirty="0"/>
-              <a:t>があるはずだが、ない。</a:t>
+              <a:t> </a:t>
+            </a:r>
+            <a:r>
+              <a:rPr lang="en-US" altLang="ja-JP" sz="2400" dirty="0"/>
+              <a:t>…</a:t>
+            </a:r>
+            <a:r>
+              <a:rPr lang="ja-JP" altLang="en-US" sz="2400" dirty="0"/>
+              <a:t> あたりは、列方向に値がみんな同じ。</a:t>
             </a:r>
             <a:endParaRPr lang="en-US" altLang="ja-JP" sz="2400" dirty="0"/>
           </a:p>
@@ -9099,86 +9172,28 @@
             </a:pPr>
             <a:r>
               <a:rPr lang="ja-JP" altLang="en-US" sz="2400" dirty="0"/>
-              <a:t>有効なはずのデータに</a:t>
+              <a:t>ひとつの</a:t>
             </a:r>
             <a:r>
               <a:rPr lang="en-US" altLang="ja-JP" sz="2400" dirty="0"/>
-              <a:t>Nan</a:t>
+              <a:t>Station</a:t>
             </a:r>
             <a:r>
               <a:rPr lang="ja-JP" altLang="en-US" sz="2400" dirty="0"/>
-              <a:t>が混じってる。</a:t>
-            </a:r>
-            <a:endParaRPr lang="en-US" altLang="ja-JP" sz="2400" dirty="0"/>
-          </a:p>
-          <a:p>
-            <a:pPr marL="0" indent="0">
-              <a:buFont typeface="Arial" panose="020B0604020202020204" pitchFamily="34" charset="0"/>
-              <a:buNone/>
-            </a:pPr>
-            <a:endParaRPr lang="en-US" altLang="ja-JP" sz="2400" dirty="0"/>
-          </a:p>
-          <a:p>
-            <a:pPr marL="0" indent="0">
-              <a:buFont typeface="Arial" panose="020B0604020202020204" pitchFamily="34" charset="0"/>
-              <a:buNone/>
-            </a:pPr>
+              <a:t> で</a:t>
+            </a:r>
+            <a:r>
+              <a:rPr lang="en-US" altLang="ja-JP" sz="2400" dirty="0"/>
+              <a:t>2</a:t>
+            </a:r>
             <a:r>
               <a:rPr lang="ja-JP" altLang="en-US" sz="2400" dirty="0"/>
-              <a:t> → </a:t>
+              <a:t>特徴量しか、意味がない</a:t>
             </a:r>
             <a:r>
               <a:rPr lang="en-US" altLang="ja-JP" sz="2400" dirty="0"/>
-              <a:t>(</a:t>
-            </a:r>
-            <a:r>
-              <a:rPr lang="ja-JP" altLang="en-US" sz="2400" dirty="0"/>
-              <a:t>仮説</a:t>
-            </a:r>
-            <a:r>
-              <a:rPr lang="en-US" altLang="ja-JP" sz="2400" dirty="0"/>
-              <a:t>)</a:t>
-            </a:r>
-            <a:r>
-              <a:rPr lang="ja-JP" altLang="en-US" sz="2400" dirty="0"/>
-              <a:t> </a:t>
-            </a:r>
-            <a:r>
-              <a:rPr lang="en-US" altLang="ja-JP" sz="2400" dirty="0"/>
-              <a:t>T0</a:t>
-            </a:r>
-            <a:r>
-              <a:rPr lang="ja-JP" altLang="en-US" sz="2400" dirty="0"/>
-              <a:t> は </a:t>
-            </a:r>
-            <a:r>
-              <a:rPr lang="en-US" altLang="ja-JP" sz="2400" dirty="0"/>
-              <a:t>Nan</a:t>
-            </a:r>
-            <a:r>
-              <a:rPr lang="ja-JP" altLang="en-US" sz="2400" dirty="0"/>
-              <a:t> になってるのでは。</a:t>
-            </a:r>
-            <a:endParaRPr lang="en-US" altLang="ja-JP" sz="2400" dirty="0"/>
-          </a:p>
-          <a:p>
-            <a:pPr marL="0" indent="0">
-              <a:buFont typeface="Arial" panose="020B0604020202020204" pitchFamily="34" charset="0"/>
-              <a:buNone/>
-            </a:pPr>
-            <a:r>
-              <a:rPr lang="ja-JP" altLang="en-US" sz="2400" dirty="0"/>
-              <a:t>               </a:t>
-            </a:r>
-            <a:r>
-              <a:rPr lang="en-US" altLang="ja-JP" sz="2400" dirty="0"/>
-              <a:t>0</a:t>
-            </a:r>
-            <a:r>
-              <a:rPr lang="ja-JP" altLang="en-US" sz="2400" dirty="0"/>
-              <a:t>を無効値で置き換えるとこうなりそう。</a:t>
-            </a:r>
-            <a:endParaRPr lang="en-US" altLang="ja-JP" sz="2400" dirty="0"/>
+              <a:t>…</a:t>
+            </a:r>
           </a:p>
           <a:p>
             <a:pPr marL="0" indent="0">
@@ -9196,10 +9211,40 @@
           </a:p>
         </p:txBody>
       </p:sp>
+      <p:pic>
+        <p:nvPicPr>
+          <p:cNvPr id="4" name="図 3">
+            <a:extLst>
+              <a:ext uri="{FF2B5EF4-FFF2-40B4-BE49-F238E27FC236}">
+                <a16:creationId xmlns:a16="http://schemas.microsoft.com/office/drawing/2014/main" id="{372503C0-E3FE-46A1-A248-BAC8DA534FEB}"/>
+              </a:ext>
+            </a:extLst>
+          </p:cNvPr>
+          <p:cNvPicPr>
+            <a:picLocks noChangeAspect="1"/>
+          </p:cNvPicPr>
+          <p:nvPr/>
+        </p:nvPicPr>
+        <p:blipFill>
+          <a:blip r:embed="rId2"/>
+          <a:stretch>
+            <a:fillRect/>
+          </a:stretch>
+        </p:blipFill>
+        <p:spPr>
+          <a:xfrm>
+            <a:off x="1414463" y="2357438"/>
+            <a:ext cx="7881938" cy="3360516"/>
+          </a:xfrm>
+          <a:prstGeom prst="rect">
+            <a:avLst/>
+          </a:prstGeom>
+        </p:spPr>
+      </p:pic>
     </p:spTree>
     <p:extLst>
       <p:ext uri="{BB962C8B-B14F-4D97-AF65-F5344CB8AC3E}">
-        <p14:creationId xmlns:p14="http://schemas.microsoft.com/office/powerpoint/2010/main" val="695775764"/>
+        <p14:creationId xmlns:p14="http://schemas.microsoft.com/office/powerpoint/2010/main" val="2778833702"/>
       </p:ext>
     </p:extLst>
   </p:cSld>
@@ -9256,7 +9301,7 @@
           <a:p>
             <a:r>
               <a:rPr lang="en-US" altLang="ja-JP" dirty="0"/>
-              <a:t>Numerical </a:t>
+              <a:t>Categorical</a:t>
             </a:r>
             <a:r>
               <a:rPr lang="ja-JP" altLang="en-US" dirty="0"/>
@@ -9287,6 +9332,1335 @@
         <p:spPr>
           <a:xfrm>
             <a:off x="1097280" y="1244201"/>
+            <a:ext cx="10249146" cy="527450"/>
+          </a:xfrm>
+          <a:prstGeom prst="rect">
+            <a:avLst/>
+          </a:prstGeom>
+        </p:spPr>
+        <p:txBody>
+          <a:bodyPr vert="horz" lIns="91440" tIns="45720" rIns="91440" bIns="45720" rtlCol="0">
+            <a:normAutofit/>
+          </a:bodyPr>
+          <a:lstStyle>
+            <a:lvl1pPr marL="228600" indent="-228600" algn="l" defTabSz="914400" rtl="0" eaLnBrk="1" latinLnBrk="0" hangingPunct="1">
+              <a:lnSpc>
+                <a:spcPct val="90000"/>
+              </a:lnSpc>
+              <a:spcBef>
+                <a:spcPts val="1000"/>
+              </a:spcBef>
+              <a:buFont typeface="Arial" panose="020B0604020202020204" pitchFamily="34" charset="0"/>
+              <a:buChar char="•"/>
+              <a:defRPr kumimoji="1" sz="2800" kern="1200">
+                <a:solidFill>
+                  <a:schemeClr val="tx1"/>
+                </a:solidFill>
+                <a:latin typeface="+mn-lt"/>
+                <a:ea typeface="+mn-ea"/>
+                <a:cs typeface="+mn-cs"/>
+              </a:defRPr>
+            </a:lvl1pPr>
+            <a:lvl2pPr marL="685800" indent="-228600" algn="l" defTabSz="914400" rtl="0" eaLnBrk="1" latinLnBrk="0" hangingPunct="1">
+              <a:lnSpc>
+                <a:spcPct val="90000"/>
+              </a:lnSpc>
+              <a:spcBef>
+                <a:spcPts val="500"/>
+              </a:spcBef>
+              <a:buFont typeface="Arial" panose="020B0604020202020204" pitchFamily="34" charset="0"/>
+              <a:buChar char="•"/>
+              <a:defRPr kumimoji="1" sz="2400" kern="1200">
+                <a:solidFill>
+                  <a:schemeClr val="tx1"/>
+                </a:solidFill>
+                <a:latin typeface="+mn-lt"/>
+                <a:ea typeface="+mn-ea"/>
+                <a:cs typeface="+mn-cs"/>
+              </a:defRPr>
+            </a:lvl2pPr>
+            <a:lvl3pPr marL="1143000" indent="-228600" algn="l" defTabSz="914400" rtl="0" eaLnBrk="1" latinLnBrk="0" hangingPunct="1">
+              <a:lnSpc>
+                <a:spcPct val="90000"/>
+              </a:lnSpc>
+              <a:spcBef>
+                <a:spcPts val="500"/>
+              </a:spcBef>
+              <a:buFont typeface="Arial" panose="020B0604020202020204" pitchFamily="34" charset="0"/>
+              <a:buChar char="•"/>
+              <a:defRPr kumimoji="1" sz="2000" kern="1200">
+                <a:solidFill>
+                  <a:schemeClr val="tx1"/>
+                </a:solidFill>
+                <a:latin typeface="+mn-lt"/>
+                <a:ea typeface="+mn-ea"/>
+                <a:cs typeface="+mn-cs"/>
+              </a:defRPr>
+            </a:lvl3pPr>
+            <a:lvl4pPr marL="1600200" indent="-228600" algn="l" defTabSz="914400" rtl="0" eaLnBrk="1" latinLnBrk="0" hangingPunct="1">
+              <a:lnSpc>
+                <a:spcPct val="90000"/>
+              </a:lnSpc>
+              <a:spcBef>
+                <a:spcPts val="500"/>
+              </a:spcBef>
+              <a:buFont typeface="Arial" panose="020B0604020202020204" pitchFamily="34" charset="0"/>
+              <a:buChar char="•"/>
+              <a:defRPr kumimoji="1" sz="1800" kern="1200">
+                <a:solidFill>
+                  <a:schemeClr val="tx1"/>
+                </a:solidFill>
+                <a:latin typeface="+mn-lt"/>
+                <a:ea typeface="+mn-ea"/>
+                <a:cs typeface="+mn-cs"/>
+              </a:defRPr>
+            </a:lvl4pPr>
+            <a:lvl5pPr marL="2057400" indent="-228600" algn="l" defTabSz="914400" rtl="0" eaLnBrk="1" latinLnBrk="0" hangingPunct="1">
+              <a:lnSpc>
+                <a:spcPct val="90000"/>
+              </a:lnSpc>
+              <a:spcBef>
+                <a:spcPts val="500"/>
+              </a:spcBef>
+              <a:buFont typeface="Arial" panose="020B0604020202020204" pitchFamily="34" charset="0"/>
+              <a:buChar char="•"/>
+              <a:defRPr kumimoji="1" sz="1800" kern="1200">
+                <a:solidFill>
+                  <a:schemeClr val="tx1"/>
+                </a:solidFill>
+                <a:latin typeface="+mn-lt"/>
+                <a:ea typeface="+mn-ea"/>
+                <a:cs typeface="+mn-cs"/>
+              </a:defRPr>
+            </a:lvl5pPr>
+            <a:lvl6pPr marL="2514600" indent="-228600" algn="l" defTabSz="914400" rtl="0" eaLnBrk="1" latinLnBrk="0" hangingPunct="1">
+              <a:lnSpc>
+                <a:spcPct val="90000"/>
+              </a:lnSpc>
+              <a:spcBef>
+                <a:spcPts val="500"/>
+              </a:spcBef>
+              <a:buFont typeface="Arial" panose="020B0604020202020204" pitchFamily="34" charset="0"/>
+              <a:buChar char="•"/>
+              <a:defRPr kumimoji="1" sz="1800" kern="1200">
+                <a:solidFill>
+                  <a:schemeClr val="tx1"/>
+                </a:solidFill>
+                <a:latin typeface="+mn-lt"/>
+                <a:ea typeface="+mn-ea"/>
+                <a:cs typeface="+mn-cs"/>
+              </a:defRPr>
+            </a:lvl6pPr>
+            <a:lvl7pPr marL="2971800" indent="-228600" algn="l" defTabSz="914400" rtl="0" eaLnBrk="1" latinLnBrk="0" hangingPunct="1">
+              <a:lnSpc>
+                <a:spcPct val="90000"/>
+              </a:lnSpc>
+              <a:spcBef>
+                <a:spcPts val="500"/>
+              </a:spcBef>
+              <a:buFont typeface="Arial" panose="020B0604020202020204" pitchFamily="34" charset="0"/>
+              <a:buChar char="•"/>
+              <a:defRPr kumimoji="1" sz="1800" kern="1200">
+                <a:solidFill>
+                  <a:schemeClr val="tx1"/>
+                </a:solidFill>
+                <a:latin typeface="+mn-lt"/>
+                <a:ea typeface="+mn-ea"/>
+                <a:cs typeface="+mn-cs"/>
+              </a:defRPr>
+            </a:lvl7pPr>
+            <a:lvl8pPr marL="3429000" indent="-228600" algn="l" defTabSz="914400" rtl="0" eaLnBrk="1" latinLnBrk="0" hangingPunct="1">
+              <a:lnSpc>
+                <a:spcPct val="90000"/>
+              </a:lnSpc>
+              <a:spcBef>
+                <a:spcPts val="500"/>
+              </a:spcBef>
+              <a:buFont typeface="Arial" panose="020B0604020202020204" pitchFamily="34" charset="0"/>
+              <a:buChar char="•"/>
+              <a:defRPr kumimoji="1" sz="1800" kern="1200">
+                <a:solidFill>
+                  <a:schemeClr val="tx1"/>
+                </a:solidFill>
+                <a:latin typeface="+mn-lt"/>
+                <a:ea typeface="+mn-ea"/>
+                <a:cs typeface="+mn-cs"/>
+              </a:defRPr>
+            </a:lvl8pPr>
+            <a:lvl9pPr marL="3886200" indent="-228600" algn="l" defTabSz="914400" rtl="0" eaLnBrk="1" latinLnBrk="0" hangingPunct="1">
+              <a:lnSpc>
+                <a:spcPct val="90000"/>
+              </a:lnSpc>
+              <a:spcBef>
+                <a:spcPts val="500"/>
+              </a:spcBef>
+              <a:buFont typeface="Arial" panose="020B0604020202020204" pitchFamily="34" charset="0"/>
+              <a:buChar char="•"/>
+              <a:defRPr kumimoji="1" sz="1800" kern="1200">
+                <a:solidFill>
+                  <a:schemeClr val="tx1"/>
+                </a:solidFill>
+                <a:latin typeface="+mn-lt"/>
+                <a:ea typeface="+mn-ea"/>
+                <a:cs typeface="+mn-cs"/>
+              </a:defRPr>
+            </a:lvl9pPr>
+          </a:lstStyle>
+          <a:p>
+            <a:pPr marL="0" indent="0">
+              <a:buFont typeface="Arial" panose="020B0604020202020204" pitchFamily="34" charset="0"/>
+              <a:buNone/>
+            </a:pPr>
+            <a:r>
+              <a:rPr lang="en-US" altLang="ja-JP" sz="2400" dirty="0"/>
+              <a:t>Station32</a:t>
+            </a:r>
+            <a:r>
+              <a:rPr lang="ja-JP" altLang="en-US" sz="2400" dirty="0"/>
+              <a:t>くらいになると、いろいろ値が混じる。</a:t>
+            </a:r>
+            <a:endParaRPr lang="en-US" altLang="ja-JP" sz="3200" dirty="0">
+              <a:solidFill>
+                <a:srgbClr val="FF0000"/>
+              </a:solidFill>
+            </a:endParaRPr>
+          </a:p>
+          <a:p>
+            <a:endParaRPr lang="ja-JP" altLang="en-US" dirty="0"/>
+          </a:p>
+        </p:txBody>
+      </p:sp>
+      <p:pic>
+        <p:nvPicPr>
+          <p:cNvPr id="5" name="図 4">
+            <a:extLst>
+              <a:ext uri="{FF2B5EF4-FFF2-40B4-BE49-F238E27FC236}">
+                <a16:creationId xmlns:a16="http://schemas.microsoft.com/office/drawing/2014/main" id="{1152C0CE-392B-4A70-BCC2-0544FC5C1491}"/>
+              </a:ext>
+            </a:extLst>
+          </p:cNvPr>
+          <p:cNvPicPr>
+            <a:picLocks noChangeAspect="1"/>
+          </p:cNvPicPr>
+          <p:nvPr/>
+        </p:nvPicPr>
+        <p:blipFill>
+          <a:blip r:embed="rId2"/>
+          <a:stretch>
+            <a:fillRect/>
+          </a:stretch>
+        </p:blipFill>
+        <p:spPr>
+          <a:xfrm>
+            <a:off x="1724025" y="1881187"/>
+            <a:ext cx="8743950" cy="4086225"/>
+          </a:xfrm>
+          <a:prstGeom prst="rect">
+            <a:avLst/>
+          </a:prstGeom>
+        </p:spPr>
+      </p:pic>
+    </p:spTree>
+    <p:extLst>
+      <p:ext uri="{BB962C8B-B14F-4D97-AF65-F5344CB8AC3E}">
+        <p14:creationId xmlns:p14="http://schemas.microsoft.com/office/powerpoint/2010/main" val="2482052299"/>
+      </p:ext>
+    </p:extLst>
+  </p:cSld>
+  <p:clrMapOvr>
+    <a:masterClrMapping/>
+  </p:clrMapOvr>
+</p:sld>
+</file>
+
+<file path=ppt/slides/slide22.xml><?xml version="1.0" encoding="utf-8"?>
+<p:sld xmlns:a="http://schemas.openxmlformats.org/drawingml/2006/main" xmlns:r="http://schemas.openxmlformats.org/officeDocument/2006/relationships" xmlns:p="http://schemas.openxmlformats.org/presentationml/2006/main">
+  <p:cSld>
+    <p:spTree>
+      <p:nvGrpSpPr>
+        <p:cNvPr id="1" name=""/>
+        <p:cNvGrpSpPr/>
+        <p:nvPr/>
+      </p:nvGrpSpPr>
+      <p:grpSpPr>
+        <a:xfrm>
+          <a:off x="0" y="0"/>
+          <a:ext cx="0" cy="0"/>
+          <a:chOff x="0" y="0"/>
+          <a:chExt cx="0" cy="0"/>
+        </a:xfrm>
+      </p:grpSpPr>
+      <p:sp>
+        <p:nvSpPr>
+          <p:cNvPr id="2" name="タイトル 1">
+            <a:extLst>
+              <a:ext uri="{FF2B5EF4-FFF2-40B4-BE49-F238E27FC236}">
+                <a16:creationId xmlns:a16="http://schemas.microsoft.com/office/drawing/2014/main" id="{3613AB1D-7F94-47C1-BB89-E34EC6F7C4CC}"/>
+              </a:ext>
+            </a:extLst>
+          </p:cNvPr>
+          <p:cNvSpPr>
+            <a:spLocks noGrp="1"/>
+          </p:cNvSpPr>
+          <p:nvPr>
+            <p:ph type="title"/>
+          </p:nvPr>
+        </p:nvSpPr>
+        <p:spPr>
+          <a:xfrm>
+            <a:off x="1066800" y="308224"/>
+            <a:ext cx="10058400" cy="935976"/>
+          </a:xfrm>
+        </p:spPr>
+        <p:txBody>
+          <a:bodyPr>
+            <a:normAutofit/>
+          </a:bodyPr>
+          <a:lstStyle/>
+          <a:p>
+            <a:r>
+              <a:rPr lang="en-US" altLang="ja-JP" dirty="0"/>
+              <a:t>Categorical</a:t>
+            </a:r>
+            <a:r>
+              <a:rPr lang="ja-JP" altLang="en-US" dirty="0"/>
+              <a:t>の</a:t>
+            </a:r>
+            <a:r>
+              <a:rPr lang="en-US" altLang="ja-JP" dirty="0"/>
+              <a:t>EDA</a:t>
+            </a:r>
+            <a:endParaRPr kumimoji="1" lang="ja-JP" altLang="en-US" dirty="0"/>
+          </a:p>
+        </p:txBody>
+      </p:sp>
+      <p:sp>
+        <p:nvSpPr>
+          <p:cNvPr id="10" name="コンテンツ プレースホルダー 2">
+            <a:extLst>
+              <a:ext uri="{FF2B5EF4-FFF2-40B4-BE49-F238E27FC236}">
+                <a16:creationId xmlns:a16="http://schemas.microsoft.com/office/drawing/2014/main" id="{10F8B98A-B6D5-415D-9855-B95A96502905}"/>
+              </a:ext>
+            </a:extLst>
+          </p:cNvPr>
+          <p:cNvSpPr txBox="1">
+            <a:spLocks/>
+          </p:cNvSpPr>
+          <p:nvPr/>
+        </p:nvSpPr>
+        <p:spPr>
+          <a:xfrm>
+            <a:off x="1097280" y="1244200"/>
+            <a:ext cx="10249146" cy="4423175"/>
+          </a:xfrm>
+          <a:prstGeom prst="rect">
+            <a:avLst/>
+          </a:prstGeom>
+        </p:spPr>
+        <p:txBody>
+          <a:bodyPr vert="horz" lIns="91440" tIns="45720" rIns="91440" bIns="45720" rtlCol="0">
+            <a:normAutofit/>
+          </a:bodyPr>
+          <a:lstStyle>
+            <a:lvl1pPr marL="228600" indent="-228600" algn="l" defTabSz="914400" rtl="0" eaLnBrk="1" latinLnBrk="0" hangingPunct="1">
+              <a:lnSpc>
+                <a:spcPct val="90000"/>
+              </a:lnSpc>
+              <a:spcBef>
+                <a:spcPts val="1000"/>
+              </a:spcBef>
+              <a:buFont typeface="Arial" panose="020B0604020202020204" pitchFamily="34" charset="0"/>
+              <a:buChar char="•"/>
+              <a:defRPr kumimoji="1" sz="2800" kern="1200">
+                <a:solidFill>
+                  <a:schemeClr val="tx1"/>
+                </a:solidFill>
+                <a:latin typeface="+mn-lt"/>
+                <a:ea typeface="+mn-ea"/>
+                <a:cs typeface="+mn-cs"/>
+              </a:defRPr>
+            </a:lvl1pPr>
+            <a:lvl2pPr marL="685800" indent="-228600" algn="l" defTabSz="914400" rtl="0" eaLnBrk="1" latinLnBrk="0" hangingPunct="1">
+              <a:lnSpc>
+                <a:spcPct val="90000"/>
+              </a:lnSpc>
+              <a:spcBef>
+                <a:spcPts val="500"/>
+              </a:spcBef>
+              <a:buFont typeface="Arial" panose="020B0604020202020204" pitchFamily="34" charset="0"/>
+              <a:buChar char="•"/>
+              <a:defRPr kumimoji="1" sz="2400" kern="1200">
+                <a:solidFill>
+                  <a:schemeClr val="tx1"/>
+                </a:solidFill>
+                <a:latin typeface="+mn-lt"/>
+                <a:ea typeface="+mn-ea"/>
+                <a:cs typeface="+mn-cs"/>
+              </a:defRPr>
+            </a:lvl2pPr>
+            <a:lvl3pPr marL="1143000" indent="-228600" algn="l" defTabSz="914400" rtl="0" eaLnBrk="1" latinLnBrk="0" hangingPunct="1">
+              <a:lnSpc>
+                <a:spcPct val="90000"/>
+              </a:lnSpc>
+              <a:spcBef>
+                <a:spcPts val="500"/>
+              </a:spcBef>
+              <a:buFont typeface="Arial" panose="020B0604020202020204" pitchFamily="34" charset="0"/>
+              <a:buChar char="•"/>
+              <a:defRPr kumimoji="1" sz="2000" kern="1200">
+                <a:solidFill>
+                  <a:schemeClr val="tx1"/>
+                </a:solidFill>
+                <a:latin typeface="+mn-lt"/>
+                <a:ea typeface="+mn-ea"/>
+                <a:cs typeface="+mn-cs"/>
+              </a:defRPr>
+            </a:lvl3pPr>
+            <a:lvl4pPr marL="1600200" indent="-228600" algn="l" defTabSz="914400" rtl="0" eaLnBrk="1" latinLnBrk="0" hangingPunct="1">
+              <a:lnSpc>
+                <a:spcPct val="90000"/>
+              </a:lnSpc>
+              <a:spcBef>
+                <a:spcPts val="500"/>
+              </a:spcBef>
+              <a:buFont typeface="Arial" panose="020B0604020202020204" pitchFamily="34" charset="0"/>
+              <a:buChar char="•"/>
+              <a:defRPr kumimoji="1" sz="1800" kern="1200">
+                <a:solidFill>
+                  <a:schemeClr val="tx1"/>
+                </a:solidFill>
+                <a:latin typeface="+mn-lt"/>
+                <a:ea typeface="+mn-ea"/>
+                <a:cs typeface="+mn-cs"/>
+              </a:defRPr>
+            </a:lvl4pPr>
+            <a:lvl5pPr marL="2057400" indent="-228600" algn="l" defTabSz="914400" rtl="0" eaLnBrk="1" latinLnBrk="0" hangingPunct="1">
+              <a:lnSpc>
+                <a:spcPct val="90000"/>
+              </a:lnSpc>
+              <a:spcBef>
+                <a:spcPts val="500"/>
+              </a:spcBef>
+              <a:buFont typeface="Arial" panose="020B0604020202020204" pitchFamily="34" charset="0"/>
+              <a:buChar char="•"/>
+              <a:defRPr kumimoji="1" sz="1800" kern="1200">
+                <a:solidFill>
+                  <a:schemeClr val="tx1"/>
+                </a:solidFill>
+                <a:latin typeface="+mn-lt"/>
+                <a:ea typeface="+mn-ea"/>
+                <a:cs typeface="+mn-cs"/>
+              </a:defRPr>
+            </a:lvl5pPr>
+            <a:lvl6pPr marL="2514600" indent="-228600" algn="l" defTabSz="914400" rtl="0" eaLnBrk="1" latinLnBrk="0" hangingPunct="1">
+              <a:lnSpc>
+                <a:spcPct val="90000"/>
+              </a:lnSpc>
+              <a:spcBef>
+                <a:spcPts val="500"/>
+              </a:spcBef>
+              <a:buFont typeface="Arial" panose="020B0604020202020204" pitchFamily="34" charset="0"/>
+              <a:buChar char="•"/>
+              <a:defRPr kumimoji="1" sz="1800" kern="1200">
+                <a:solidFill>
+                  <a:schemeClr val="tx1"/>
+                </a:solidFill>
+                <a:latin typeface="+mn-lt"/>
+                <a:ea typeface="+mn-ea"/>
+                <a:cs typeface="+mn-cs"/>
+              </a:defRPr>
+            </a:lvl6pPr>
+            <a:lvl7pPr marL="2971800" indent="-228600" algn="l" defTabSz="914400" rtl="0" eaLnBrk="1" latinLnBrk="0" hangingPunct="1">
+              <a:lnSpc>
+                <a:spcPct val="90000"/>
+              </a:lnSpc>
+              <a:spcBef>
+                <a:spcPts val="500"/>
+              </a:spcBef>
+              <a:buFont typeface="Arial" panose="020B0604020202020204" pitchFamily="34" charset="0"/>
+              <a:buChar char="•"/>
+              <a:defRPr kumimoji="1" sz="1800" kern="1200">
+                <a:solidFill>
+                  <a:schemeClr val="tx1"/>
+                </a:solidFill>
+                <a:latin typeface="+mn-lt"/>
+                <a:ea typeface="+mn-ea"/>
+                <a:cs typeface="+mn-cs"/>
+              </a:defRPr>
+            </a:lvl7pPr>
+            <a:lvl8pPr marL="3429000" indent="-228600" algn="l" defTabSz="914400" rtl="0" eaLnBrk="1" latinLnBrk="0" hangingPunct="1">
+              <a:lnSpc>
+                <a:spcPct val="90000"/>
+              </a:lnSpc>
+              <a:spcBef>
+                <a:spcPts val="500"/>
+              </a:spcBef>
+              <a:buFont typeface="Arial" panose="020B0604020202020204" pitchFamily="34" charset="0"/>
+              <a:buChar char="•"/>
+              <a:defRPr kumimoji="1" sz="1800" kern="1200">
+                <a:solidFill>
+                  <a:schemeClr val="tx1"/>
+                </a:solidFill>
+                <a:latin typeface="+mn-lt"/>
+                <a:ea typeface="+mn-ea"/>
+                <a:cs typeface="+mn-cs"/>
+              </a:defRPr>
+            </a:lvl8pPr>
+            <a:lvl9pPr marL="3886200" indent="-228600" algn="l" defTabSz="914400" rtl="0" eaLnBrk="1" latinLnBrk="0" hangingPunct="1">
+              <a:lnSpc>
+                <a:spcPct val="90000"/>
+              </a:lnSpc>
+              <a:spcBef>
+                <a:spcPts val="500"/>
+              </a:spcBef>
+              <a:buFont typeface="Arial" panose="020B0604020202020204" pitchFamily="34" charset="0"/>
+              <a:buChar char="•"/>
+              <a:defRPr kumimoji="1" sz="1800" kern="1200">
+                <a:solidFill>
+                  <a:schemeClr val="tx1"/>
+                </a:solidFill>
+                <a:latin typeface="+mn-lt"/>
+                <a:ea typeface="+mn-ea"/>
+                <a:cs typeface="+mn-cs"/>
+              </a:defRPr>
+            </a:lvl9pPr>
+          </a:lstStyle>
+          <a:p>
+            <a:pPr marL="0" indent="0">
+              <a:buFont typeface="Arial" panose="020B0604020202020204" pitchFamily="34" charset="0"/>
+              <a:buNone/>
+            </a:pPr>
+            <a:r>
+              <a:rPr lang="ja-JP" altLang="en-US" sz="2400" b="1" dirty="0">
+                <a:solidFill>
+                  <a:srgbClr val="FF0000"/>
+                </a:solidFill>
+              </a:rPr>
+              <a:t>ここで思いついた。</a:t>
+            </a:r>
+            <a:endParaRPr lang="en-US" altLang="ja-JP" sz="2400" b="1" dirty="0">
+              <a:solidFill>
+                <a:srgbClr val="FF0000"/>
+              </a:solidFill>
+            </a:endParaRPr>
+          </a:p>
+          <a:p>
+            <a:pPr marL="0" indent="0">
+              <a:buFont typeface="Arial" panose="020B0604020202020204" pitchFamily="34" charset="0"/>
+              <a:buNone/>
+            </a:pPr>
+            <a:endParaRPr lang="en-US" altLang="ja-JP" sz="2400" dirty="0"/>
+          </a:p>
+          <a:p>
+            <a:pPr marL="0" indent="0">
+              <a:buFont typeface="Arial" panose="020B0604020202020204" pitchFamily="34" charset="0"/>
+              <a:buNone/>
+            </a:pPr>
+            <a:r>
+              <a:rPr lang="ja-JP" altLang="en-US" sz="2400" dirty="0"/>
+              <a:t>ビットフィールドだとすると</a:t>
+            </a:r>
+            <a:r>
+              <a:rPr lang="en-US" altLang="ja-JP" sz="2400" dirty="0"/>
+              <a:t>T0</a:t>
+            </a:r>
+            <a:r>
+              <a:rPr lang="ja-JP" altLang="en-US" sz="2400" dirty="0"/>
+              <a:t>があるはずだが、ない。</a:t>
+            </a:r>
+            <a:endParaRPr lang="en-US" altLang="ja-JP" sz="2400" dirty="0"/>
+          </a:p>
+          <a:p>
+            <a:pPr marL="0" indent="0">
+              <a:buFont typeface="Arial" panose="020B0604020202020204" pitchFamily="34" charset="0"/>
+              <a:buNone/>
+            </a:pPr>
+            <a:r>
+              <a:rPr lang="ja-JP" altLang="en-US" sz="2400" dirty="0"/>
+              <a:t>有効なはずのデータに</a:t>
+            </a:r>
+            <a:r>
+              <a:rPr lang="en-US" altLang="ja-JP" sz="2400" dirty="0"/>
+              <a:t>Nan</a:t>
+            </a:r>
+            <a:r>
+              <a:rPr lang="ja-JP" altLang="en-US" sz="2400" dirty="0"/>
+              <a:t>が混じってる。</a:t>
+            </a:r>
+            <a:endParaRPr lang="en-US" altLang="ja-JP" sz="2400" dirty="0"/>
+          </a:p>
+          <a:p>
+            <a:pPr marL="0" indent="0">
+              <a:buFont typeface="Arial" panose="020B0604020202020204" pitchFamily="34" charset="0"/>
+              <a:buNone/>
+            </a:pPr>
+            <a:endParaRPr lang="en-US" altLang="ja-JP" sz="2400" dirty="0"/>
+          </a:p>
+          <a:p>
+            <a:pPr marL="0" indent="0">
+              <a:buFont typeface="Arial" panose="020B0604020202020204" pitchFamily="34" charset="0"/>
+              <a:buNone/>
+            </a:pPr>
+            <a:r>
+              <a:rPr lang="ja-JP" altLang="en-US" sz="2400" dirty="0"/>
+              <a:t> → </a:t>
+            </a:r>
+            <a:r>
+              <a:rPr lang="en-US" altLang="ja-JP" sz="2400" dirty="0"/>
+              <a:t>(</a:t>
+            </a:r>
+            <a:r>
+              <a:rPr lang="ja-JP" altLang="en-US" sz="2400" dirty="0"/>
+              <a:t>仮説</a:t>
+            </a:r>
+            <a:r>
+              <a:rPr lang="en-US" altLang="ja-JP" sz="2400" dirty="0"/>
+              <a:t>)</a:t>
+            </a:r>
+            <a:r>
+              <a:rPr lang="ja-JP" altLang="en-US" sz="2400" dirty="0"/>
+              <a:t> </a:t>
+            </a:r>
+            <a:r>
+              <a:rPr lang="en-US" altLang="ja-JP" sz="2400" dirty="0"/>
+              <a:t>T0</a:t>
+            </a:r>
+            <a:r>
+              <a:rPr lang="ja-JP" altLang="en-US" sz="2400" dirty="0"/>
+              <a:t> は </a:t>
+            </a:r>
+            <a:r>
+              <a:rPr lang="en-US" altLang="ja-JP" sz="2400" dirty="0"/>
+              <a:t>Nan</a:t>
+            </a:r>
+            <a:r>
+              <a:rPr lang="ja-JP" altLang="en-US" sz="2400" dirty="0"/>
+              <a:t> になってるのでは。</a:t>
+            </a:r>
+            <a:endParaRPr lang="en-US" altLang="ja-JP" sz="2400" dirty="0"/>
+          </a:p>
+          <a:p>
+            <a:pPr marL="0" indent="0">
+              <a:buFont typeface="Arial" panose="020B0604020202020204" pitchFamily="34" charset="0"/>
+              <a:buNone/>
+            </a:pPr>
+            <a:r>
+              <a:rPr lang="ja-JP" altLang="en-US" sz="2400" dirty="0"/>
+              <a:t>               </a:t>
+            </a:r>
+            <a:r>
+              <a:rPr lang="en-US" altLang="ja-JP" sz="2400" dirty="0"/>
+              <a:t>0</a:t>
+            </a:r>
+            <a:r>
+              <a:rPr lang="ja-JP" altLang="en-US" sz="2400" dirty="0"/>
+              <a:t>を無効値で置き換えるとこうなりそう。</a:t>
+            </a:r>
+            <a:endParaRPr lang="en-US" altLang="ja-JP" sz="2400" dirty="0"/>
+          </a:p>
+          <a:p>
+            <a:pPr marL="0" indent="0">
+              <a:buFont typeface="Arial" panose="020B0604020202020204" pitchFamily="34" charset="0"/>
+              <a:buNone/>
+            </a:pPr>
+            <a:endParaRPr lang="en-US" altLang="ja-JP" sz="3200" dirty="0">
+              <a:solidFill>
+                <a:srgbClr val="FF0000"/>
+              </a:solidFill>
+            </a:endParaRPr>
+          </a:p>
+          <a:p>
+            <a:endParaRPr lang="ja-JP" altLang="en-US" dirty="0"/>
+          </a:p>
+        </p:txBody>
+      </p:sp>
+    </p:spTree>
+    <p:extLst>
+      <p:ext uri="{BB962C8B-B14F-4D97-AF65-F5344CB8AC3E}">
+        <p14:creationId xmlns:p14="http://schemas.microsoft.com/office/powerpoint/2010/main" val="695775764"/>
+      </p:ext>
+    </p:extLst>
+  </p:cSld>
+  <p:clrMapOvr>
+    <a:masterClrMapping/>
+  </p:clrMapOvr>
+</p:sld>
+</file>
+
+<file path=ppt/slides/slide23.xml><?xml version="1.0" encoding="utf-8"?>
+<p:sld xmlns:a="http://schemas.openxmlformats.org/drawingml/2006/main" xmlns:r="http://schemas.openxmlformats.org/officeDocument/2006/relationships" xmlns:p="http://schemas.openxmlformats.org/presentationml/2006/main">
+  <p:cSld>
+    <p:spTree>
+      <p:nvGrpSpPr>
+        <p:cNvPr id="1" name=""/>
+        <p:cNvGrpSpPr/>
+        <p:nvPr/>
+      </p:nvGrpSpPr>
+      <p:grpSpPr>
+        <a:xfrm>
+          <a:off x="0" y="0"/>
+          <a:ext cx="0" cy="0"/>
+          <a:chOff x="0" y="0"/>
+          <a:chExt cx="0" cy="0"/>
+        </a:xfrm>
+      </p:grpSpPr>
+      <p:sp>
+        <p:nvSpPr>
+          <p:cNvPr id="2" name="タイトル 1">
+            <a:extLst>
+              <a:ext uri="{FF2B5EF4-FFF2-40B4-BE49-F238E27FC236}">
+                <a16:creationId xmlns:a16="http://schemas.microsoft.com/office/drawing/2014/main" id="{3613AB1D-7F94-47C1-BB89-E34EC6F7C4CC}"/>
+              </a:ext>
+            </a:extLst>
+          </p:cNvPr>
+          <p:cNvSpPr>
+            <a:spLocks noGrp="1"/>
+          </p:cNvSpPr>
+          <p:nvPr>
+            <p:ph type="title"/>
+          </p:nvPr>
+        </p:nvSpPr>
+        <p:spPr>
+          <a:xfrm>
+            <a:off x="1066800" y="308224"/>
+            <a:ext cx="10058400" cy="935976"/>
+          </a:xfrm>
+        </p:spPr>
+        <p:txBody>
+          <a:bodyPr>
+            <a:normAutofit/>
+          </a:bodyPr>
+          <a:lstStyle/>
+          <a:p>
+            <a:r>
+              <a:rPr lang="en-US" altLang="ja-JP" dirty="0"/>
+              <a:t>Numerical </a:t>
+            </a:r>
+            <a:r>
+              <a:rPr lang="ja-JP" altLang="en-US" dirty="0"/>
+              <a:t>の</a:t>
+            </a:r>
+            <a:r>
+              <a:rPr lang="en-US" altLang="ja-JP" dirty="0"/>
+              <a:t>EDA</a:t>
+            </a:r>
+            <a:endParaRPr kumimoji="1" lang="ja-JP" altLang="en-US" dirty="0"/>
+          </a:p>
+        </p:txBody>
+      </p:sp>
+      <p:sp>
+        <p:nvSpPr>
+          <p:cNvPr id="10" name="コンテンツ プレースホルダー 2">
+            <a:extLst>
+              <a:ext uri="{FF2B5EF4-FFF2-40B4-BE49-F238E27FC236}">
+                <a16:creationId xmlns:a16="http://schemas.microsoft.com/office/drawing/2014/main" id="{10F8B98A-B6D5-415D-9855-B95A96502905}"/>
+              </a:ext>
+            </a:extLst>
+          </p:cNvPr>
+          <p:cNvSpPr txBox="1">
+            <a:spLocks/>
+          </p:cNvSpPr>
+          <p:nvPr/>
+        </p:nvSpPr>
+        <p:spPr>
+          <a:xfrm>
+            <a:off x="1097280" y="1244201"/>
+            <a:ext cx="5265420" cy="1105710"/>
+          </a:xfrm>
+          <a:prstGeom prst="rect">
+            <a:avLst/>
+          </a:prstGeom>
+        </p:spPr>
+        <p:txBody>
+          <a:bodyPr vert="horz" lIns="91440" tIns="45720" rIns="91440" bIns="45720" rtlCol="0">
+            <a:normAutofit/>
+          </a:bodyPr>
+          <a:lstStyle>
+            <a:lvl1pPr marL="228600" indent="-228600" algn="l" defTabSz="914400" rtl="0" eaLnBrk="1" latinLnBrk="0" hangingPunct="1">
+              <a:lnSpc>
+                <a:spcPct val="90000"/>
+              </a:lnSpc>
+              <a:spcBef>
+                <a:spcPts val="1000"/>
+              </a:spcBef>
+              <a:buFont typeface="Arial" panose="020B0604020202020204" pitchFamily="34" charset="0"/>
+              <a:buChar char="•"/>
+              <a:defRPr kumimoji="1" sz="2800" kern="1200">
+                <a:solidFill>
+                  <a:schemeClr val="tx1"/>
+                </a:solidFill>
+                <a:latin typeface="+mn-lt"/>
+                <a:ea typeface="+mn-ea"/>
+                <a:cs typeface="+mn-cs"/>
+              </a:defRPr>
+            </a:lvl1pPr>
+            <a:lvl2pPr marL="685800" indent="-228600" algn="l" defTabSz="914400" rtl="0" eaLnBrk="1" latinLnBrk="0" hangingPunct="1">
+              <a:lnSpc>
+                <a:spcPct val="90000"/>
+              </a:lnSpc>
+              <a:spcBef>
+                <a:spcPts val="500"/>
+              </a:spcBef>
+              <a:buFont typeface="Arial" panose="020B0604020202020204" pitchFamily="34" charset="0"/>
+              <a:buChar char="•"/>
+              <a:defRPr kumimoji="1" sz="2400" kern="1200">
+                <a:solidFill>
+                  <a:schemeClr val="tx1"/>
+                </a:solidFill>
+                <a:latin typeface="+mn-lt"/>
+                <a:ea typeface="+mn-ea"/>
+                <a:cs typeface="+mn-cs"/>
+              </a:defRPr>
+            </a:lvl2pPr>
+            <a:lvl3pPr marL="1143000" indent="-228600" algn="l" defTabSz="914400" rtl="0" eaLnBrk="1" latinLnBrk="0" hangingPunct="1">
+              <a:lnSpc>
+                <a:spcPct val="90000"/>
+              </a:lnSpc>
+              <a:spcBef>
+                <a:spcPts val="500"/>
+              </a:spcBef>
+              <a:buFont typeface="Arial" panose="020B0604020202020204" pitchFamily="34" charset="0"/>
+              <a:buChar char="•"/>
+              <a:defRPr kumimoji="1" sz="2000" kern="1200">
+                <a:solidFill>
+                  <a:schemeClr val="tx1"/>
+                </a:solidFill>
+                <a:latin typeface="+mn-lt"/>
+                <a:ea typeface="+mn-ea"/>
+                <a:cs typeface="+mn-cs"/>
+              </a:defRPr>
+            </a:lvl3pPr>
+            <a:lvl4pPr marL="1600200" indent="-228600" algn="l" defTabSz="914400" rtl="0" eaLnBrk="1" latinLnBrk="0" hangingPunct="1">
+              <a:lnSpc>
+                <a:spcPct val="90000"/>
+              </a:lnSpc>
+              <a:spcBef>
+                <a:spcPts val="500"/>
+              </a:spcBef>
+              <a:buFont typeface="Arial" panose="020B0604020202020204" pitchFamily="34" charset="0"/>
+              <a:buChar char="•"/>
+              <a:defRPr kumimoji="1" sz="1800" kern="1200">
+                <a:solidFill>
+                  <a:schemeClr val="tx1"/>
+                </a:solidFill>
+                <a:latin typeface="+mn-lt"/>
+                <a:ea typeface="+mn-ea"/>
+                <a:cs typeface="+mn-cs"/>
+              </a:defRPr>
+            </a:lvl4pPr>
+            <a:lvl5pPr marL="2057400" indent="-228600" algn="l" defTabSz="914400" rtl="0" eaLnBrk="1" latinLnBrk="0" hangingPunct="1">
+              <a:lnSpc>
+                <a:spcPct val="90000"/>
+              </a:lnSpc>
+              <a:spcBef>
+                <a:spcPts val="500"/>
+              </a:spcBef>
+              <a:buFont typeface="Arial" panose="020B0604020202020204" pitchFamily="34" charset="0"/>
+              <a:buChar char="•"/>
+              <a:defRPr kumimoji="1" sz="1800" kern="1200">
+                <a:solidFill>
+                  <a:schemeClr val="tx1"/>
+                </a:solidFill>
+                <a:latin typeface="+mn-lt"/>
+                <a:ea typeface="+mn-ea"/>
+                <a:cs typeface="+mn-cs"/>
+              </a:defRPr>
+            </a:lvl5pPr>
+            <a:lvl6pPr marL="2514600" indent="-228600" algn="l" defTabSz="914400" rtl="0" eaLnBrk="1" latinLnBrk="0" hangingPunct="1">
+              <a:lnSpc>
+                <a:spcPct val="90000"/>
+              </a:lnSpc>
+              <a:spcBef>
+                <a:spcPts val="500"/>
+              </a:spcBef>
+              <a:buFont typeface="Arial" panose="020B0604020202020204" pitchFamily="34" charset="0"/>
+              <a:buChar char="•"/>
+              <a:defRPr kumimoji="1" sz="1800" kern="1200">
+                <a:solidFill>
+                  <a:schemeClr val="tx1"/>
+                </a:solidFill>
+                <a:latin typeface="+mn-lt"/>
+                <a:ea typeface="+mn-ea"/>
+                <a:cs typeface="+mn-cs"/>
+              </a:defRPr>
+            </a:lvl6pPr>
+            <a:lvl7pPr marL="2971800" indent="-228600" algn="l" defTabSz="914400" rtl="0" eaLnBrk="1" latinLnBrk="0" hangingPunct="1">
+              <a:lnSpc>
+                <a:spcPct val="90000"/>
+              </a:lnSpc>
+              <a:spcBef>
+                <a:spcPts val="500"/>
+              </a:spcBef>
+              <a:buFont typeface="Arial" panose="020B0604020202020204" pitchFamily="34" charset="0"/>
+              <a:buChar char="•"/>
+              <a:defRPr kumimoji="1" sz="1800" kern="1200">
+                <a:solidFill>
+                  <a:schemeClr val="tx1"/>
+                </a:solidFill>
+                <a:latin typeface="+mn-lt"/>
+                <a:ea typeface="+mn-ea"/>
+                <a:cs typeface="+mn-cs"/>
+              </a:defRPr>
+            </a:lvl7pPr>
+            <a:lvl8pPr marL="3429000" indent="-228600" algn="l" defTabSz="914400" rtl="0" eaLnBrk="1" latinLnBrk="0" hangingPunct="1">
+              <a:lnSpc>
+                <a:spcPct val="90000"/>
+              </a:lnSpc>
+              <a:spcBef>
+                <a:spcPts val="500"/>
+              </a:spcBef>
+              <a:buFont typeface="Arial" panose="020B0604020202020204" pitchFamily="34" charset="0"/>
+              <a:buChar char="•"/>
+              <a:defRPr kumimoji="1" sz="1800" kern="1200">
+                <a:solidFill>
+                  <a:schemeClr val="tx1"/>
+                </a:solidFill>
+                <a:latin typeface="+mn-lt"/>
+                <a:ea typeface="+mn-ea"/>
+                <a:cs typeface="+mn-cs"/>
+              </a:defRPr>
+            </a:lvl8pPr>
+            <a:lvl9pPr marL="3886200" indent="-228600" algn="l" defTabSz="914400" rtl="0" eaLnBrk="1" latinLnBrk="0" hangingPunct="1">
+              <a:lnSpc>
+                <a:spcPct val="90000"/>
+              </a:lnSpc>
+              <a:spcBef>
+                <a:spcPts val="500"/>
+              </a:spcBef>
+              <a:buFont typeface="Arial" panose="020B0604020202020204" pitchFamily="34" charset="0"/>
+              <a:buChar char="•"/>
+              <a:defRPr kumimoji="1" sz="1800" kern="1200">
+                <a:solidFill>
+                  <a:schemeClr val="tx1"/>
+                </a:solidFill>
+                <a:latin typeface="+mn-lt"/>
+                <a:ea typeface="+mn-ea"/>
+                <a:cs typeface="+mn-cs"/>
+              </a:defRPr>
+            </a:lvl9pPr>
+          </a:lstStyle>
+          <a:p>
+            <a:pPr marL="0" indent="0">
+              <a:buFont typeface="Arial" panose="020B0604020202020204" pitchFamily="34" charset="0"/>
+              <a:buNone/>
+            </a:pPr>
+            <a:r>
+              <a:rPr lang="en-US" altLang="ja-JP" sz="2400" dirty="0"/>
+              <a:t>NG</a:t>
+            </a:r>
+            <a:r>
+              <a:rPr lang="ja-JP" altLang="en-US" sz="2400" dirty="0"/>
+              <a:t>と正常を重ねてみてみる。</a:t>
+            </a:r>
+            <a:endParaRPr lang="en-US" altLang="ja-JP" sz="2400" dirty="0"/>
+          </a:p>
+          <a:p>
+            <a:pPr marL="0" indent="0">
+              <a:buFont typeface="Arial" panose="020B0604020202020204" pitchFamily="34" charset="0"/>
+              <a:buNone/>
+            </a:pPr>
+            <a:r>
+              <a:rPr lang="en-US" altLang="ja-JP" sz="2400" dirty="0"/>
+              <a:t>…</a:t>
+            </a:r>
+            <a:r>
+              <a:rPr lang="ja-JP" altLang="en-US" sz="2400" dirty="0"/>
+              <a:t> 大した情報が見つからない</a:t>
+            </a:r>
+            <a:r>
+              <a:rPr lang="en-US" altLang="ja-JP" sz="2400" dirty="0"/>
+              <a:t>…</a:t>
+            </a:r>
+          </a:p>
+          <a:p>
+            <a:pPr marL="0" indent="0">
+              <a:buFont typeface="Arial" panose="020B0604020202020204" pitchFamily="34" charset="0"/>
+              <a:buNone/>
+            </a:pPr>
+            <a:endParaRPr lang="en-US" altLang="ja-JP" sz="3200" dirty="0">
+              <a:solidFill>
+                <a:srgbClr val="FF0000"/>
+              </a:solidFill>
+            </a:endParaRPr>
+          </a:p>
+          <a:p>
+            <a:endParaRPr lang="ja-JP" altLang="en-US" dirty="0"/>
+          </a:p>
+        </p:txBody>
+      </p:sp>
+      <p:pic>
+        <p:nvPicPr>
+          <p:cNvPr id="3" name="図 2">
+            <a:extLst>
+              <a:ext uri="{FF2B5EF4-FFF2-40B4-BE49-F238E27FC236}">
+                <a16:creationId xmlns:a16="http://schemas.microsoft.com/office/drawing/2014/main" id="{187E82C0-89BA-4B52-A007-83977771AEBF}"/>
+              </a:ext>
+            </a:extLst>
+          </p:cNvPr>
+          <p:cNvPicPr>
+            <a:picLocks noChangeAspect="1"/>
+          </p:cNvPicPr>
+          <p:nvPr/>
+        </p:nvPicPr>
+        <p:blipFill>
+          <a:blip r:embed="rId2"/>
+          <a:stretch>
+            <a:fillRect/>
+          </a:stretch>
+        </p:blipFill>
+        <p:spPr>
+          <a:xfrm>
+            <a:off x="6897052" y="2349911"/>
+            <a:ext cx="4257675" cy="2819400"/>
+          </a:xfrm>
+          <a:prstGeom prst="rect">
+            <a:avLst/>
+          </a:prstGeom>
+        </p:spPr>
+      </p:pic>
+      <p:sp>
+        <p:nvSpPr>
+          <p:cNvPr id="6" name="コンテンツ プレースホルダー 2">
+            <a:extLst>
+              <a:ext uri="{FF2B5EF4-FFF2-40B4-BE49-F238E27FC236}">
+                <a16:creationId xmlns:a16="http://schemas.microsoft.com/office/drawing/2014/main" id="{A6A578A4-CBEE-456E-AE13-B9B420C4F952}"/>
+              </a:ext>
+            </a:extLst>
+          </p:cNvPr>
+          <p:cNvSpPr txBox="1">
+            <a:spLocks/>
+          </p:cNvSpPr>
+          <p:nvPr/>
+        </p:nvSpPr>
+        <p:spPr>
+          <a:xfrm>
+            <a:off x="6393180" y="1244201"/>
+            <a:ext cx="5265420" cy="1105710"/>
+          </a:xfrm>
+          <a:prstGeom prst="rect">
+            <a:avLst/>
+          </a:prstGeom>
+        </p:spPr>
+        <p:txBody>
+          <a:bodyPr vert="horz" lIns="91440" tIns="45720" rIns="91440" bIns="45720" rtlCol="0">
+            <a:normAutofit/>
+          </a:bodyPr>
+          <a:lstStyle>
+            <a:lvl1pPr marL="228600" indent="-228600" algn="l" defTabSz="914400" rtl="0" eaLnBrk="1" latinLnBrk="0" hangingPunct="1">
+              <a:lnSpc>
+                <a:spcPct val="90000"/>
+              </a:lnSpc>
+              <a:spcBef>
+                <a:spcPts val="1000"/>
+              </a:spcBef>
+              <a:buFont typeface="Arial" panose="020B0604020202020204" pitchFamily="34" charset="0"/>
+              <a:buChar char="•"/>
+              <a:defRPr kumimoji="1" sz="2800" kern="1200">
+                <a:solidFill>
+                  <a:schemeClr val="tx1"/>
+                </a:solidFill>
+                <a:latin typeface="+mn-lt"/>
+                <a:ea typeface="+mn-ea"/>
+                <a:cs typeface="+mn-cs"/>
+              </a:defRPr>
+            </a:lvl1pPr>
+            <a:lvl2pPr marL="685800" indent="-228600" algn="l" defTabSz="914400" rtl="0" eaLnBrk="1" latinLnBrk="0" hangingPunct="1">
+              <a:lnSpc>
+                <a:spcPct val="90000"/>
+              </a:lnSpc>
+              <a:spcBef>
+                <a:spcPts val="500"/>
+              </a:spcBef>
+              <a:buFont typeface="Arial" panose="020B0604020202020204" pitchFamily="34" charset="0"/>
+              <a:buChar char="•"/>
+              <a:defRPr kumimoji="1" sz="2400" kern="1200">
+                <a:solidFill>
+                  <a:schemeClr val="tx1"/>
+                </a:solidFill>
+                <a:latin typeface="+mn-lt"/>
+                <a:ea typeface="+mn-ea"/>
+                <a:cs typeface="+mn-cs"/>
+              </a:defRPr>
+            </a:lvl2pPr>
+            <a:lvl3pPr marL="1143000" indent="-228600" algn="l" defTabSz="914400" rtl="0" eaLnBrk="1" latinLnBrk="0" hangingPunct="1">
+              <a:lnSpc>
+                <a:spcPct val="90000"/>
+              </a:lnSpc>
+              <a:spcBef>
+                <a:spcPts val="500"/>
+              </a:spcBef>
+              <a:buFont typeface="Arial" panose="020B0604020202020204" pitchFamily="34" charset="0"/>
+              <a:buChar char="•"/>
+              <a:defRPr kumimoji="1" sz="2000" kern="1200">
+                <a:solidFill>
+                  <a:schemeClr val="tx1"/>
+                </a:solidFill>
+                <a:latin typeface="+mn-lt"/>
+                <a:ea typeface="+mn-ea"/>
+                <a:cs typeface="+mn-cs"/>
+              </a:defRPr>
+            </a:lvl3pPr>
+            <a:lvl4pPr marL="1600200" indent="-228600" algn="l" defTabSz="914400" rtl="0" eaLnBrk="1" latinLnBrk="0" hangingPunct="1">
+              <a:lnSpc>
+                <a:spcPct val="90000"/>
+              </a:lnSpc>
+              <a:spcBef>
+                <a:spcPts val="500"/>
+              </a:spcBef>
+              <a:buFont typeface="Arial" panose="020B0604020202020204" pitchFamily="34" charset="0"/>
+              <a:buChar char="•"/>
+              <a:defRPr kumimoji="1" sz="1800" kern="1200">
+                <a:solidFill>
+                  <a:schemeClr val="tx1"/>
+                </a:solidFill>
+                <a:latin typeface="+mn-lt"/>
+                <a:ea typeface="+mn-ea"/>
+                <a:cs typeface="+mn-cs"/>
+              </a:defRPr>
+            </a:lvl4pPr>
+            <a:lvl5pPr marL="2057400" indent="-228600" algn="l" defTabSz="914400" rtl="0" eaLnBrk="1" latinLnBrk="0" hangingPunct="1">
+              <a:lnSpc>
+                <a:spcPct val="90000"/>
+              </a:lnSpc>
+              <a:spcBef>
+                <a:spcPts val="500"/>
+              </a:spcBef>
+              <a:buFont typeface="Arial" panose="020B0604020202020204" pitchFamily="34" charset="0"/>
+              <a:buChar char="•"/>
+              <a:defRPr kumimoji="1" sz="1800" kern="1200">
+                <a:solidFill>
+                  <a:schemeClr val="tx1"/>
+                </a:solidFill>
+                <a:latin typeface="+mn-lt"/>
+                <a:ea typeface="+mn-ea"/>
+                <a:cs typeface="+mn-cs"/>
+              </a:defRPr>
+            </a:lvl5pPr>
+            <a:lvl6pPr marL="2514600" indent="-228600" algn="l" defTabSz="914400" rtl="0" eaLnBrk="1" latinLnBrk="0" hangingPunct="1">
+              <a:lnSpc>
+                <a:spcPct val="90000"/>
+              </a:lnSpc>
+              <a:spcBef>
+                <a:spcPts val="500"/>
+              </a:spcBef>
+              <a:buFont typeface="Arial" panose="020B0604020202020204" pitchFamily="34" charset="0"/>
+              <a:buChar char="•"/>
+              <a:defRPr kumimoji="1" sz="1800" kern="1200">
+                <a:solidFill>
+                  <a:schemeClr val="tx1"/>
+                </a:solidFill>
+                <a:latin typeface="+mn-lt"/>
+                <a:ea typeface="+mn-ea"/>
+                <a:cs typeface="+mn-cs"/>
+              </a:defRPr>
+            </a:lvl6pPr>
+            <a:lvl7pPr marL="2971800" indent="-228600" algn="l" defTabSz="914400" rtl="0" eaLnBrk="1" latinLnBrk="0" hangingPunct="1">
+              <a:lnSpc>
+                <a:spcPct val="90000"/>
+              </a:lnSpc>
+              <a:spcBef>
+                <a:spcPts val="500"/>
+              </a:spcBef>
+              <a:buFont typeface="Arial" panose="020B0604020202020204" pitchFamily="34" charset="0"/>
+              <a:buChar char="•"/>
+              <a:defRPr kumimoji="1" sz="1800" kern="1200">
+                <a:solidFill>
+                  <a:schemeClr val="tx1"/>
+                </a:solidFill>
+                <a:latin typeface="+mn-lt"/>
+                <a:ea typeface="+mn-ea"/>
+                <a:cs typeface="+mn-cs"/>
+              </a:defRPr>
+            </a:lvl7pPr>
+            <a:lvl8pPr marL="3429000" indent="-228600" algn="l" defTabSz="914400" rtl="0" eaLnBrk="1" latinLnBrk="0" hangingPunct="1">
+              <a:lnSpc>
+                <a:spcPct val="90000"/>
+              </a:lnSpc>
+              <a:spcBef>
+                <a:spcPts val="500"/>
+              </a:spcBef>
+              <a:buFont typeface="Arial" panose="020B0604020202020204" pitchFamily="34" charset="0"/>
+              <a:buChar char="•"/>
+              <a:defRPr kumimoji="1" sz="1800" kern="1200">
+                <a:solidFill>
+                  <a:schemeClr val="tx1"/>
+                </a:solidFill>
+                <a:latin typeface="+mn-lt"/>
+                <a:ea typeface="+mn-ea"/>
+                <a:cs typeface="+mn-cs"/>
+              </a:defRPr>
+            </a:lvl8pPr>
+            <a:lvl9pPr marL="3886200" indent="-228600" algn="l" defTabSz="914400" rtl="0" eaLnBrk="1" latinLnBrk="0" hangingPunct="1">
+              <a:lnSpc>
+                <a:spcPct val="90000"/>
+              </a:lnSpc>
+              <a:spcBef>
+                <a:spcPts val="500"/>
+              </a:spcBef>
+              <a:buFont typeface="Arial" panose="020B0604020202020204" pitchFamily="34" charset="0"/>
+              <a:buChar char="•"/>
+              <a:defRPr kumimoji="1" sz="1800" kern="1200">
+                <a:solidFill>
+                  <a:schemeClr val="tx1"/>
+                </a:solidFill>
+                <a:latin typeface="+mn-lt"/>
+                <a:ea typeface="+mn-ea"/>
+                <a:cs typeface="+mn-cs"/>
+              </a:defRPr>
+            </a:lvl9pPr>
+          </a:lstStyle>
+          <a:p>
+            <a:pPr marL="0" indent="0">
+              <a:buFont typeface="Arial" panose="020B0604020202020204" pitchFamily="34" charset="0"/>
+              <a:buNone/>
+            </a:pPr>
+            <a:r>
+              <a:rPr lang="en-US" altLang="ja-JP" sz="2400" dirty="0"/>
+              <a:t>S29</a:t>
+            </a:r>
+            <a:r>
+              <a:rPr lang="ja-JP" altLang="en-US" sz="2400" dirty="0"/>
+              <a:t>あたりは偏ってるようにも、</a:t>
+            </a:r>
+            <a:endParaRPr lang="en-US" altLang="ja-JP" sz="2400" dirty="0"/>
+          </a:p>
+          <a:p>
+            <a:pPr marL="0" indent="0">
+              <a:buFont typeface="Arial" panose="020B0604020202020204" pitchFamily="34" charset="0"/>
+              <a:buNone/>
+            </a:pPr>
+            <a:r>
+              <a:rPr lang="ja-JP" altLang="en-US" sz="2400" dirty="0"/>
+              <a:t>見える。</a:t>
+            </a:r>
+            <a:endParaRPr lang="en-US" altLang="ja-JP" sz="3200" dirty="0"/>
+          </a:p>
+          <a:p>
+            <a:endParaRPr lang="ja-JP" altLang="en-US" dirty="0"/>
+          </a:p>
+        </p:txBody>
+      </p:sp>
+      <p:pic>
+        <p:nvPicPr>
+          <p:cNvPr id="5" name="図 4">
+            <a:extLst>
+              <a:ext uri="{FF2B5EF4-FFF2-40B4-BE49-F238E27FC236}">
+                <a16:creationId xmlns:a16="http://schemas.microsoft.com/office/drawing/2014/main" id="{456BFA74-7D2F-47E0-9A1B-265D6333D86D}"/>
+              </a:ext>
+            </a:extLst>
+          </p:cNvPr>
+          <p:cNvPicPr>
+            <a:picLocks noChangeAspect="1"/>
+          </p:cNvPicPr>
+          <p:nvPr/>
+        </p:nvPicPr>
+        <p:blipFill>
+          <a:blip r:embed="rId3"/>
+          <a:stretch>
+            <a:fillRect/>
+          </a:stretch>
+        </p:blipFill>
+        <p:spPr>
+          <a:xfrm>
+            <a:off x="1583054" y="2162174"/>
+            <a:ext cx="3545173" cy="4238625"/>
+          </a:xfrm>
+          <a:prstGeom prst="rect">
+            <a:avLst/>
+          </a:prstGeom>
+        </p:spPr>
+      </p:pic>
+    </p:spTree>
+    <p:extLst>
+      <p:ext uri="{BB962C8B-B14F-4D97-AF65-F5344CB8AC3E}">
+        <p14:creationId xmlns:p14="http://schemas.microsoft.com/office/powerpoint/2010/main" val="3379489524"/>
+      </p:ext>
+    </p:extLst>
+  </p:cSld>
+  <p:clrMapOvr>
+    <a:masterClrMapping/>
+  </p:clrMapOvr>
+</p:sld>
+</file>
+
+<file path=ppt/slides/slide24.xml><?xml version="1.0" encoding="utf-8"?>
+<p:sld xmlns:a="http://schemas.openxmlformats.org/drawingml/2006/main" xmlns:r="http://schemas.openxmlformats.org/officeDocument/2006/relationships" xmlns:p="http://schemas.openxmlformats.org/presentationml/2006/main">
+  <p:cSld>
+    <p:spTree>
+      <p:nvGrpSpPr>
+        <p:cNvPr id="1" name=""/>
+        <p:cNvGrpSpPr/>
+        <p:nvPr/>
+      </p:nvGrpSpPr>
+      <p:grpSpPr>
+        <a:xfrm>
+          <a:off x="0" y="0"/>
+          <a:ext cx="0" cy="0"/>
+          <a:chOff x="0" y="0"/>
+          <a:chExt cx="0" cy="0"/>
+        </a:xfrm>
+      </p:grpSpPr>
+      <p:sp>
+        <p:nvSpPr>
+          <p:cNvPr id="2" name="タイトル 1">
+            <a:extLst>
+              <a:ext uri="{FF2B5EF4-FFF2-40B4-BE49-F238E27FC236}">
+                <a16:creationId xmlns:a16="http://schemas.microsoft.com/office/drawing/2014/main" id="{3613AB1D-7F94-47C1-BB89-E34EC6F7C4CC}"/>
+              </a:ext>
+            </a:extLst>
+          </p:cNvPr>
+          <p:cNvSpPr>
+            <a:spLocks noGrp="1"/>
+          </p:cNvSpPr>
+          <p:nvPr>
+            <p:ph type="title"/>
+          </p:nvPr>
+        </p:nvSpPr>
+        <p:spPr>
+          <a:xfrm>
+            <a:off x="1066800" y="308224"/>
+            <a:ext cx="10058400" cy="935976"/>
+          </a:xfrm>
+        </p:spPr>
+        <p:txBody>
+          <a:bodyPr>
+            <a:normAutofit/>
+          </a:bodyPr>
+          <a:lstStyle/>
+          <a:p>
+            <a:r>
+              <a:rPr lang="en-US" altLang="ja-JP" dirty="0"/>
+              <a:t>Numerical </a:t>
+            </a:r>
+            <a:r>
+              <a:rPr lang="ja-JP" altLang="en-US" dirty="0"/>
+              <a:t>の</a:t>
+            </a:r>
+            <a:r>
+              <a:rPr lang="en-US" altLang="ja-JP" dirty="0"/>
+              <a:t>EDA</a:t>
+            </a:r>
+            <a:endParaRPr kumimoji="1" lang="ja-JP" altLang="en-US" dirty="0"/>
+          </a:p>
+        </p:txBody>
+      </p:sp>
+      <p:sp>
+        <p:nvSpPr>
+          <p:cNvPr id="4" name="コンテンツ プレースホルダー 2">
+            <a:extLst>
+              <a:ext uri="{FF2B5EF4-FFF2-40B4-BE49-F238E27FC236}">
+                <a16:creationId xmlns:a16="http://schemas.microsoft.com/office/drawing/2014/main" id="{7AAFDF12-9FDC-4B08-A52B-16DBF37213E8}"/>
+              </a:ext>
+            </a:extLst>
+          </p:cNvPr>
+          <p:cNvSpPr txBox="1">
+            <a:spLocks/>
+          </p:cNvSpPr>
+          <p:nvPr/>
+        </p:nvSpPr>
+        <p:spPr>
+          <a:xfrm>
+            <a:off x="1097280" y="1360652"/>
             <a:ext cx="10249146" cy="1105710"/>
           </a:xfrm>
           <a:prstGeom prst="rect">
@@ -9467,46 +10841,140 @@
               <a:buNone/>
             </a:pPr>
             <a:r>
+              <a:rPr lang="ja-JP" altLang="en-US" sz="2400" dirty="0"/>
+              <a:t>唯一、</a:t>
+            </a:r>
+            <a:r>
+              <a:rPr lang="en-US" altLang="ja-JP" sz="2400" dirty="0"/>
+              <a:t>Station32</a:t>
+            </a:r>
+            <a:r>
+              <a:rPr lang="ja-JP" altLang="en-US" sz="2400" dirty="0" err="1"/>
+              <a:t>だけは</a:t>
+            </a:r>
+            <a:r>
+              <a:rPr lang="ja-JP" altLang="en-US" sz="2400" dirty="0"/>
+              <a:t>やたらと</a:t>
+            </a:r>
+            <a:r>
               <a:rPr lang="en-US" altLang="ja-JP" sz="2400" dirty="0"/>
               <a:t>NG</a:t>
             </a:r>
             <a:r>
               <a:rPr lang="ja-JP" altLang="en-US" sz="2400" dirty="0"/>
-              <a:t>と正常を重ねてみてみる。</a:t>
-            </a:r>
-            <a:endParaRPr lang="en-US" altLang="ja-JP" sz="2400" dirty="0"/>
-          </a:p>
-          <a:p>
-            <a:pPr marL="0" indent="0">
-              <a:buFont typeface="Arial" panose="020B0604020202020204" pitchFamily="34" charset="0"/>
-              <a:buNone/>
-            </a:pPr>
+              <a:t>が多いことには気づく。</a:t>
+            </a:r>
             <a:r>
               <a:rPr lang="en-US" altLang="ja-JP" sz="2400" dirty="0"/>
-              <a:t>…</a:t>
+              <a:t>(</a:t>
             </a:r>
             <a:r>
               <a:rPr lang="ja-JP" altLang="en-US" sz="2400" dirty="0"/>
-              <a:t> 大した情報が見つからない</a:t>
+              <a:t>真っ赤</a:t>
             </a:r>
             <a:r>
               <a:rPr lang="en-US" altLang="ja-JP" sz="2400" dirty="0"/>
-              <a:t>…</a:t>
-            </a:r>
-          </a:p>
-          <a:p>
-            <a:pPr marL="0" indent="0">
-              <a:buFont typeface="Arial" panose="020B0604020202020204" pitchFamily="34" charset="0"/>
-              <a:buNone/>
-            </a:pPr>
-            <a:endParaRPr lang="en-US" altLang="ja-JP" sz="3200" dirty="0">
-              <a:solidFill>
-                <a:srgbClr val="FF0000"/>
-              </a:solidFill>
-            </a:endParaRPr>
+              <a:t>…)</a:t>
+            </a:r>
+            <a:endParaRPr lang="en-US" altLang="ja-JP" sz="3200" dirty="0"/>
           </a:p>
           <a:p>
             <a:endParaRPr lang="ja-JP" altLang="en-US" dirty="0"/>
+          </a:p>
+        </p:txBody>
+      </p:sp>
+      <p:pic>
+        <p:nvPicPr>
+          <p:cNvPr id="3" name="図 2">
+            <a:extLst>
+              <a:ext uri="{FF2B5EF4-FFF2-40B4-BE49-F238E27FC236}">
+                <a16:creationId xmlns:a16="http://schemas.microsoft.com/office/drawing/2014/main" id="{E7874F8F-4B2F-46C2-8B15-11F7DFFC3C00}"/>
+              </a:ext>
+            </a:extLst>
+          </p:cNvPr>
+          <p:cNvPicPr>
+            <a:picLocks noChangeAspect="1"/>
+          </p:cNvPicPr>
+          <p:nvPr/>
+        </p:nvPicPr>
+        <p:blipFill>
+          <a:blip r:embed="rId2"/>
+          <a:stretch>
+            <a:fillRect/>
+          </a:stretch>
+        </p:blipFill>
+        <p:spPr>
+          <a:xfrm>
+            <a:off x="1681162" y="2175014"/>
+            <a:ext cx="5738813" cy="4682986"/>
+          </a:xfrm>
+          <a:prstGeom prst="rect">
+            <a:avLst/>
+          </a:prstGeom>
+        </p:spPr>
+      </p:pic>
+    </p:spTree>
+    <p:extLst>
+      <p:ext uri="{BB962C8B-B14F-4D97-AF65-F5344CB8AC3E}">
+        <p14:creationId xmlns:p14="http://schemas.microsoft.com/office/powerpoint/2010/main" val="1406016237"/>
+      </p:ext>
+    </p:extLst>
+  </p:cSld>
+  <p:clrMapOvr>
+    <a:masterClrMapping/>
+  </p:clrMapOvr>
+</p:sld>
+</file>
+
+<file path=ppt/slides/slide25.xml><?xml version="1.0" encoding="utf-8"?>
+<p:sld xmlns:a="http://schemas.openxmlformats.org/drawingml/2006/main" xmlns:r="http://schemas.openxmlformats.org/officeDocument/2006/relationships" xmlns:p="http://schemas.openxmlformats.org/presentationml/2006/main">
+  <p:cSld>
+    <p:spTree>
+      <p:nvGrpSpPr>
+        <p:cNvPr id="1" name=""/>
+        <p:cNvGrpSpPr/>
+        <p:nvPr/>
+      </p:nvGrpSpPr>
+      <p:grpSpPr>
+        <a:xfrm>
+          <a:off x="0" y="0"/>
+          <a:ext cx="0" cy="0"/>
+          <a:chOff x="0" y="0"/>
+          <a:chExt cx="0" cy="0"/>
+        </a:xfrm>
+      </p:grpSpPr>
+      <p:sp>
+        <p:nvSpPr>
+          <p:cNvPr id="2" name="タイトル 1">
+            <a:extLst>
+              <a:ext uri="{FF2B5EF4-FFF2-40B4-BE49-F238E27FC236}">
+                <a16:creationId xmlns:a16="http://schemas.microsoft.com/office/drawing/2014/main" id="{3613AB1D-7F94-47C1-BB89-E34EC6F7C4CC}"/>
+              </a:ext>
+            </a:extLst>
+          </p:cNvPr>
+          <p:cNvSpPr>
+            <a:spLocks noGrp="1"/>
+          </p:cNvSpPr>
+          <p:nvPr>
+            <p:ph type="title"/>
+          </p:nvPr>
+        </p:nvSpPr>
+        <p:spPr>
+          <a:xfrm>
+            <a:off x="1066800" y="308224"/>
+            <a:ext cx="10058400" cy="935976"/>
+          </a:xfrm>
+        </p:spPr>
+        <p:txBody>
+          <a:bodyPr>
+            <a:normAutofit/>
+          </a:bodyPr>
+          <a:lstStyle/>
+          <a:p>
+            <a:r>
+              <a:rPr kumimoji="1" lang="ja-JP" altLang="en-US" dirty="0"/>
+              <a:t>再チャレンジ</a:t>
+            </a:r>
           </a:p>
         </p:txBody>
       </p:sp>
@@ -9526,8 +10994,8 @@
         </p:nvSpPr>
         <p:spPr>
           <a:xfrm>
-            <a:off x="1097280" y="4056227"/>
-            <a:ext cx="10249146" cy="1105710"/>
+            <a:off x="1097280" y="1360652"/>
+            <a:ext cx="10249146" cy="4794342"/>
           </a:xfrm>
           <a:prstGeom prst="rect">
             <a:avLst/>
@@ -9707,32 +11175,132 @@
               <a:buNone/>
             </a:pPr>
             <a:r>
-              <a:rPr lang="ja-JP" altLang="en-US" sz="2400" dirty="0"/>
-              <a:t>唯一、</a:t>
-            </a:r>
-            <a:r>
               <a:rPr lang="en-US" altLang="ja-JP" sz="2400" dirty="0"/>
               <a:t>Station32</a:t>
             </a:r>
             <a:r>
-              <a:rPr lang="ja-JP" altLang="en-US" sz="2400" dirty="0" err="1"/>
-              <a:t>だけは</a:t>
-            </a:r>
-            <a:r>
               <a:rPr lang="ja-JP" altLang="en-US" sz="2400" dirty="0"/>
-              <a:t>やたらと</a:t>
+              <a:t>に着目して、</a:t>
+            </a:r>
+            <a:endParaRPr lang="en-US" altLang="ja-JP" sz="2400" dirty="0"/>
+          </a:p>
+          <a:p>
+            <a:pPr marL="0" indent="0">
+              <a:buFont typeface="Arial" panose="020B0604020202020204" pitchFamily="34" charset="0"/>
+              <a:buNone/>
+            </a:pPr>
+            <a:r>
+              <a:rPr lang="ja-JP" altLang="en-US" sz="2400" dirty="0"/>
+              <a:t>以下の</a:t>
             </a:r>
             <a:r>
               <a:rPr lang="en-US" altLang="ja-JP" sz="2400" dirty="0"/>
-              <a:t>NG</a:t>
+              <a:t>3</a:t>
             </a:r>
             <a:r>
               <a:rPr lang="ja-JP" altLang="en-US" sz="2400" dirty="0"/>
-              <a:t>が多いことには気づく。</a:t>
-            </a:r>
-            <a:endParaRPr lang="en-US" altLang="ja-JP" sz="3200" dirty="0"/>
-          </a:p>
-          <a:p>
+              <a:t>分類で、</a:t>
+            </a:r>
+            <a:r>
+              <a:rPr lang="en-US" altLang="ja-JP" sz="2400" dirty="0"/>
+              <a:t>feature</a:t>
+            </a:r>
+            <a:r>
+              <a:rPr lang="ja-JP" altLang="en-US" sz="2400" dirty="0"/>
+              <a:t>を足しながらトライ中。</a:t>
+            </a:r>
+            <a:endParaRPr lang="en-US" altLang="ja-JP" sz="2400" dirty="0"/>
+          </a:p>
+          <a:p>
+            <a:pPr marL="0" indent="0">
+              <a:buFont typeface="Arial" panose="020B0604020202020204" pitchFamily="34" charset="0"/>
+              <a:buNone/>
+            </a:pPr>
+            <a:endParaRPr lang="en-US" altLang="ja-JP" sz="2400" dirty="0"/>
+          </a:p>
+          <a:p>
+            <a:r>
+              <a:rPr lang="en-US" altLang="ja-JP" sz="2400" dirty="0"/>
+              <a:t>Station32</a:t>
+            </a:r>
+            <a:r>
+              <a:rPr lang="ja-JP" altLang="en-US" sz="2400" dirty="0"/>
+              <a:t>を通るもの。</a:t>
+            </a:r>
+            <a:endParaRPr lang="en-US" altLang="ja-JP" sz="2400" dirty="0"/>
+          </a:p>
+          <a:p>
+            <a:r>
+              <a:rPr lang="en-US" altLang="ja-JP" sz="2400" dirty="0"/>
+              <a:t>Station28-38</a:t>
+            </a:r>
+            <a:r>
+              <a:rPr lang="ja-JP" altLang="en-US" sz="2400" dirty="0"/>
+              <a:t>系で、</a:t>
+            </a:r>
+            <a:r>
+              <a:rPr lang="en-US" altLang="ja-JP" sz="2400" dirty="0"/>
+              <a:t>Station32</a:t>
+            </a:r>
+            <a:r>
+              <a:rPr lang="ja-JP" altLang="en-US" sz="2400" dirty="0"/>
+              <a:t>を通らないもの。</a:t>
+            </a:r>
+            <a:endParaRPr lang="en-US" altLang="ja-JP" sz="2400" dirty="0"/>
+          </a:p>
+          <a:p>
+            <a:r>
+              <a:rPr lang="en-US" altLang="ja-JP" sz="2400" dirty="0"/>
+              <a:t>Station39-51</a:t>
+            </a:r>
+            <a:r>
+              <a:rPr lang="ja-JP" altLang="en-US" sz="2400" dirty="0"/>
+              <a:t>系。</a:t>
+            </a:r>
+            <a:endParaRPr lang="en-US" altLang="ja-JP" sz="2400" dirty="0"/>
+          </a:p>
+          <a:p>
+            <a:endParaRPr lang="en-US" altLang="ja-JP" sz="2400" dirty="0"/>
+          </a:p>
+          <a:p>
+            <a:pPr marL="0" indent="0">
+              <a:buNone/>
+            </a:pPr>
+            <a:r>
+              <a:rPr lang="ja-JP" altLang="en-US" sz="2400" dirty="0"/>
+              <a:t>主に</a:t>
+            </a:r>
+            <a:r>
+              <a:rPr lang="en-US" altLang="ja-JP" sz="2400" dirty="0"/>
+              <a:t>Categorical</a:t>
+            </a:r>
+            <a:r>
+              <a:rPr lang="ja-JP" altLang="en-US" sz="2400" dirty="0"/>
+              <a:t> </a:t>
+            </a:r>
+            <a:r>
+              <a:rPr lang="en-US" altLang="ja-JP" sz="2400" dirty="0"/>
+              <a:t>Data</a:t>
+            </a:r>
+            <a:r>
+              <a:rPr lang="ja-JP" altLang="en-US" sz="2400" dirty="0"/>
+              <a:t> を</a:t>
+            </a:r>
+            <a:r>
+              <a:rPr lang="en-US" altLang="ja-JP" sz="2400" dirty="0"/>
+              <a:t>Decode</a:t>
+            </a:r>
+            <a:r>
+              <a:rPr lang="ja-JP" altLang="en-US" sz="2400"/>
+              <a:t>しながら追加してます。</a:t>
+            </a:r>
+            <a:endParaRPr lang="en-US" altLang="ja-JP" sz="2400" dirty="0"/>
+          </a:p>
+          <a:p>
+            <a:pPr marL="0" indent="0">
+              <a:buFont typeface="Arial" panose="020B0604020202020204" pitchFamily="34" charset="0"/>
+              <a:buNone/>
+            </a:pPr>
             <a:endParaRPr lang="ja-JP" altLang="en-US" dirty="0"/>
           </a:p>
         </p:txBody>
@@ -9740,7 +11308,7 @@
     </p:spTree>
     <p:extLst>
       <p:ext uri="{BB962C8B-B14F-4D97-AF65-F5344CB8AC3E}">
-        <p14:creationId xmlns:p14="http://schemas.microsoft.com/office/powerpoint/2010/main" val="1406016237"/>
+        <p14:creationId xmlns:p14="http://schemas.microsoft.com/office/powerpoint/2010/main" val="1498728633"/>
       </p:ext>
     </p:extLst>
   </p:cSld>
